--- a/HC_DB_Analyses/HC_DB_Numbers_Reversed/SDprox1PoolExamples.pptx
+++ b/HC_DB_Analyses/HC_DB_Numbers_Reversed/SDprox1PoolExamples.pptx
@@ -243,7 +243,7 @@
           <a:p>
             <a:fld id="{13B4EEC1-59A0-6147-A616-EE74AE21FFF0}" type="datetimeFigureOut">
               <a:rPr lang="en-US" smtClean="0"/>
-              <a:t>5/27/17</a:t>
+              <a:t>1/26/18</a:t>
             </a:fld>
             <a:endParaRPr lang="en-US"/>
           </a:p>
@@ -408,7 +408,7 @@
           <a:p>
             <a:fld id="{13B4EEC1-59A0-6147-A616-EE74AE21FFF0}" type="datetimeFigureOut">
               <a:rPr lang="en-US" smtClean="0"/>
-              <a:t>5/27/17</a:t>
+              <a:t>1/26/18</a:t>
             </a:fld>
             <a:endParaRPr lang="en-US"/>
           </a:p>
@@ -583,7 +583,7 @@
           <a:p>
             <a:fld id="{13B4EEC1-59A0-6147-A616-EE74AE21FFF0}" type="datetimeFigureOut">
               <a:rPr lang="en-US" smtClean="0"/>
-              <a:t>5/27/17</a:t>
+              <a:t>1/26/18</a:t>
             </a:fld>
             <a:endParaRPr lang="en-US"/>
           </a:p>
@@ -748,7 +748,7 @@
           <a:p>
             <a:fld id="{13B4EEC1-59A0-6147-A616-EE74AE21FFF0}" type="datetimeFigureOut">
               <a:rPr lang="en-US" smtClean="0"/>
-              <a:t>5/27/17</a:t>
+              <a:t>1/26/18</a:t>
             </a:fld>
             <a:endParaRPr lang="en-US"/>
           </a:p>
@@ -987,7 +987,7 @@
           <a:p>
             <a:fld id="{13B4EEC1-59A0-6147-A616-EE74AE21FFF0}" type="datetimeFigureOut">
               <a:rPr lang="en-US" smtClean="0"/>
-              <a:t>5/27/17</a:t>
+              <a:t>1/26/18</a:t>
             </a:fld>
             <a:endParaRPr lang="en-US"/>
           </a:p>
@@ -1214,7 +1214,7 @@
           <a:p>
             <a:fld id="{13B4EEC1-59A0-6147-A616-EE74AE21FFF0}" type="datetimeFigureOut">
               <a:rPr lang="en-US" smtClean="0"/>
-              <a:t>5/27/17</a:t>
+              <a:t>1/26/18</a:t>
             </a:fld>
             <a:endParaRPr lang="en-US"/>
           </a:p>
@@ -1576,7 +1576,7 @@
           <a:p>
             <a:fld id="{13B4EEC1-59A0-6147-A616-EE74AE21FFF0}" type="datetimeFigureOut">
               <a:rPr lang="en-US" smtClean="0"/>
-              <a:t>5/27/17</a:t>
+              <a:t>1/26/18</a:t>
             </a:fld>
             <a:endParaRPr lang="en-US"/>
           </a:p>
@@ -1689,7 +1689,7 @@
           <a:p>
             <a:fld id="{13B4EEC1-59A0-6147-A616-EE74AE21FFF0}" type="datetimeFigureOut">
               <a:rPr lang="en-US" smtClean="0"/>
-              <a:t>5/27/17</a:t>
+              <a:t>1/26/18</a:t>
             </a:fld>
             <a:endParaRPr lang="en-US"/>
           </a:p>
@@ -1779,7 +1779,7 @@
           <a:p>
             <a:fld id="{13B4EEC1-59A0-6147-A616-EE74AE21FFF0}" type="datetimeFigureOut">
               <a:rPr lang="en-US" smtClean="0"/>
-              <a:t>5/27/17</a:t>
+              <a:t>1/26/18</a:t>
             </a:fld>
             <a:endParaRPr lang="en-US"/>
           </a:p>
@@ -2051,7 +2051,7 @@
           <a:p>
             <a:fld id="{13B4EEC1-59A0-6147-A616-EE74AE21FFF0}" type="datetimeFigureOut">
               <a:rPr lang="en-US" smtClean="0"/>
-              <a:t>5/27/17</a:t>
+              <a:t>1/26/18</a:t>
             </a:fld>
             <a:endParaRPr lang="en-US"/>
           </a:p>
@@ -2303,7 +2303,7 @@
           <a:p>
             <a:fld id="{13B4EEC1-59A0-6147-A616-EE74AE21FFF0}" type="datetimeFigureOut">
               <a:rPr lang="en-US" smtClean="0"/>
-              <a:t>5/27/17</a:t>
+              <a:t>1/26/18</a:t>
             </a:fld>
             <a:endParaRPr lang="en-US"/>
           </a:p>
@@ -2511,7 +2511,7 @@
           <a:p>
             <a:fld id="{13B4EEC1-59A0-6147-A616-EE74AE21FFF0}" type="datetimeFigureOut">
               <a:rPr lang="en-US" smtClean="0"/>
-              <a:t>5/27/17</a:t>
+              <a:t>1/26/18</a:t>
             </a:fld>
             <a:endParaRPr lang="en-US"/>
           </a:p>
@@ -2938,7 +2938,7 @@
         </p:blipFill>
         <p:spPr>
           <a:xfrm>
-            <a:off x="254598" y="17251972"/>
+            <a:off x="254598" y="17194822"/>
             <a:ext cx="7046258" cy="5640394"/>
           </a:xfrm>
           <a:prstGeom prst="rect">
@@ -2968,7 +2968,7 @@
         </p:blipFill>
         <p:spPr>
           <a:xfrm>
-            <a:off x="14470507" y="17298099"/>
+            <a:off x="14470507" y="17240949"/>
             <a:ext cx="7082109" cy="5640394"/>
           </a:xfrm>
           <a:prstGeom prst="rect">
@@ -2998,7 +2998,7 @@
         </p:blipFill>
         <p:spPr>
           <a:xfrm>
-            <a:off x="14467189" y="5964013"/>
+            <a:off x="14467189" y="5906863"/>
             <a:ext cx="7123826" cy="5640394"/>
           </a:xfrm>
           <a:prstGeom prst="rect">
@@ -3028,7 +3028,7 @@
         </p:blipFill>
         <p:spPr>
           <a:xfrm>
-            <a:off x="7372301" y="17287621"/>
+            <a:off x="7372301" y="17230471"/>
             <a:ext cx="7094888" cy="5640394"/>
           </a:xfrm>
           <a:prstGeom prst="rect">
@@ -3058,7 +3058,7 @@
         </p:blipFill>
         <p:spPr>
           <a:xfrm>
-            <a:off x="7376049" y="5948515"/>
+            <a:off x="7376049" y="5891365"/>
             <a:ext cx="7099857" cy="5640394"/>
           </a:xfrm>
           <a:prstGeom prst="rect">
@@ -3088,7 +3088,7 @@
         </p:blipFill>
         <p:spPr>
           <a:xfrm>
-            <a:off x="21519570" y="17251972"/>
+            <a:off x="21519570" y="17194822"/>
             <a:ext cx="7031523" cy="5640394"/>
           </a:xfrm>
           <a:prstGeom prst="rect">
@@ -3118,7 +3118,7 @@
         </p:blipFill>
         <p:spPr>
           <a:xfrm>
-            <a:off x="21591015" y="5940950"/>
+            <a:off x="21591015" y="5883800"/>
             <a:ext cx="7132696" cy="5640394"/>
           </a:xfrm>
           <a:prstGeom prst="rect">
@@ -3148,7 +3148,7 @@
         </p:blipFill>
         <p:spPr>
           <a:xfrm>
-            <a:off x="7273608" y="11571949"/>
+            <a:off x="7273608" y="11514799"/>
             <a:ext cx="7136605" cy="5719652"/>
           </a:xfrm>
           <a:prstGeom prst="rect">
@@ -3178,7 +3178,7 @@
         </p:blipFill>
         <p:spPr>
           <a:xfrm>
-            <a:off x="21549005" y="11555384"/>
+            <a:off x="21549005" y="11498234"/>
             <a:ext cx="7115109" cy="5719652"/>
           </a:xfrm>
           <a:prstGeom prst="rect">
@@ -3208,7 +3208,7 @@
         </p:blipFill>
         <p:spPr>
           <a:xfrm>
-            <a:off x="21519570" y="107576"/>
+            <a:off x="21519570" y="50426"/>
             <a:ext cx="7117381" cy="5622984"/>
           </a:xfrm>
           <a:prstGeom prst="rect">
@@ -3238,7 +3238,7 @@
         </p:blipFill>
         <p:spPr>
           <a:xfrm>
-            <a:off x="253251" y="11571949"/>
+            <a:off x="253251" y="11514799"/>
             <a:ext cx="7098191" cy="5719652"/>
           </a:xfrm>
           <a:prstGeom prst="rect">
@@ -3268,7 +3268,7 @@
         </p:blipFill>
         <p:spPr>
           <a:xfrm>
-            <a:off x="14380974" y="11584929"/>
+            <a:off x="14380974" y="11527779"/>
             <a:ext cx="7170907" cy="5719652"/>
           </a:xfrm>
           <a:prstGeom prst="rect">
@@ -3284,7 +3284,7 @@
         </p:nvSpPr>
         <p:spPr>
           <a:xfrm>
-            <a:off x="905194" y="708732"/>
+            <a:off x="905194" y="651582"/>
             <a:ext cx="5922504" cy="4748046"/>
           </a:xfrm>
           <a:prstGeom prst="rect">
@@ -3346,7 +3346,7 @@
         </p:nvSpPr>
         <p:spPr>
           <a:xfrm>
-            <a:off x="816475" y="6377729"/>
+            <a:off x="816475" y="6320579"/>
             <a:ext cx="5922504" cy="4748046"/>
           </a:xfrm>
           <a:prstGeom prst="rect">
@@ -3414,7 +3414,7 @@
         </p:nvSpPr>
         <p:spPr>
           <a:xfrm>
-            <a:off x="8098730" y="708732"/>
+            <a:off x="8098730" y="651582"/>
             <a:ext cx="5922504" cy="4748046"/>
           </a:xfrm>
           <a:prstGeom prst="rect">
@@ -3476,7 +3476,7 @@
         </p:nvSpPr>
         <p:spPr>
           <a:xfrm>
-            <a:off x="15190666" y="708732"/>
+            <a:off x="15190666" y="651582"/>
             <a:ext cx="5922504" cy="4748046"/>
           </a:xfrm>
           <a:prstGeom prst="rect">
@@ -3527,6 +3527,1016 @@
                 <a:schemeClr val="tx1"/>
               </a:solidFill>
             </a:endParaRPr>
+          </a:p>
+        </p:txBody>
+      </p:sp>
+      <p:sp>
+        <p:nvSpPr>
+          <p:cNvPr id="2" name="Rectangle 1"/>
+          <p:cNvSpPr/>
+          <p:nvPr/>
+        </p:nvSpPr>
+        <p:spPr>
+          <a:xfrm>
+            <a:off x="2642033" y="22623237"/>
+            <a:ext cx="23646967" cy="304218"/>
+          </a:xfrm>
+          <a:prstGeom prst="rect">
+            <a:avLst/>
+          </a:prstGeom>
+          <a:solidFill>
+            <a:schemeClr val="bg1"/>
+          </a:solidFill>
+          <a:ln>
+            <a:solidFill>
+              <a:schemeClr val="bg1"/>
+            </a:solidFill>
+          </a:ln>
+        </p:spPr>
+        <p:style>
+          <a:lnRef idx="2">
+            <a:schemeClr val="accent1">
+              <a:shade val="50000"/>
+            </a:schemeClr>
+          </a:lnRef>
+          <a:fillRef idx="1">
+            <a:schemeClr val="accent1"/>
+          </a:fillRef>
+          <a:effectRef idx="0">
+            <a:schemeClr val="accent1"/>
+          </a:effectRef>
+          <a:fontRef idx="minor">
+            <a:schemeClr val="lt1"/>
+          </a:fontRef>
+        </p:style>
+        <p:txBody>
+          <a:bodyPr rtlCol="0" anchor="ctr"/>
+          <a:lstStyle/>
+          <a:p>
+            <a:pPr algn="ctr"/>
+            <a:endParaRPr lang="en-US"/>
+          </a:p>
+        </p:txBody>
+      </p:sp>
+      <p:sp>
+        <p:nvSpPr>
+          <p:cNvPr id="25" name="Rectangle 24"/>
+          <p:cNvSpPr/>
+          <p:nvPr/>
+        </p:nvSpPr>
+        <p:spPr>
+          <a:xfrm>
+            <a:off x="253251" y="17008499"/>
+            <a:ext cx="28297842" cy="630866"/>
+          </a:xfrm>
+          <a:prstGeom prst="rect">
+            <a:avLst/>
+          </a:prstGeom>
+          <a:solidFill>
+            <a:schemeClr val="bg1"/>
+          </a:solidFill>
+          <a:ln>
+            <a:solidFill>
+              <a:schemeClr val="bg1"/>
+            </a:solidFill>
+          </a:ln>
+        </p:spPr>
+        <p:style>
+          <a:lnRef idx="2">
+            <a:schemeClr val="accent1">
+              <a:shade val="50000"/>
+            </a:schemeClr>
+          </a:lnRef>
+          <a:fillRef idx="1">
+            <a:schemeClr val="accent1"/>
+          </a:fillRef>
+          <a:effectRef idx="0">
+            <a:schemeClr val="accent1"/>
+          </a:effectRef>
+          <a:fontRef idx="minor">
+            <a:schemeClr val="lt1"/>
+          </a:fontRef>
+        </p:style>
+        <p:txBody>
+          <a:bodyPr rtlCol="0" anchor="ctr"/>
+          <a:lstStyle/>
+          <a:p>
+            <a:pPr algn="ctr"/>
+            <a:endParaRPr lang="en-US"/>
+          </a:p>
+        </p:txBody>
+      </p:sp>
+      <p:sp>
+        <p:nvSpPr>
+          <p:cNvPr id="26" name="Rectangle 25"/>
+          <p:cNvSpPr/>
+          <p:nvPr/>
+        </p:nvSpPr>
+        <p:spPr>
+          <a:xfrm>
+            <a:off x="232053" y="11264781"/>
+            <a:ext cx="14031215" cy="694775"/>
+          </a:xfrm>
+          <a:prstGeom prst="rect">
+            <a:avLst/>
+          </a:prstGeom>
+          <a:solidFill>
+            <a:schemeClr val="bg1"/>
+          </a:solidFill>
+          <a:ln>
+            <a:solidFill>
+              <a:schemeClr val="bg1"/>
+            </a:solidFill>
+          </a:ln>
+        </p:spPr>
+        <p:style>
+          <a:lnRef idx="2">
+            <a:schemeClr val="accent1">
+              <a:shade val="50000"/>
+            </a:schemeClr>
+          </a:lnRef>
+          <a:fillRef idx="1">
+            <a:schemeClr val="accent1"/>
+          </a:fillRef>
+          <a:effectRef idx="0">
+            <a:schemeClr val="accent1"/>
+          </a:effectRef>
+          <a:fontRef idx="minor">
+            <a:schemeClr val="lt1"/>
+          </a:fontRef>
+        </p:style>
+        <p:txBody>
+          <a:bodyPr rtlCol="0" anchor="ctr"/>
+          <a:lstStyle/>
+          <a:p>
+            <a:pPr algn="ctr"/>
+            <a:endParaRPr lang="en-US"/>
+          </a:p>
+        </p:txBody>
+      </p:sp>
+      <p:sp>
+        <p:nvSpPr>
+          <p:cNvPr id="28" name="Rectangle 27"/>
+          <p:cNvSpPr/>
+          <p:nvPr/>
+        </p:nvSpPr>
+        <p:spPr>
+          <a:xfrm>
+            <a:off x="7372300" y="5491866"/>
+            <a:ext cx="21291813" cy="813493"/>
+          </a:xfrm>
+          <a:prstGeom prst="rect">
+            <a:avLst/>
+          </a:prstGeom>
+          <a:solidFill>
+            <a:schemeClr val="bg1"/>
+          </a:solidFill>
+          <a:ln>
+            <a:solidFill>
+              <a:schemeClr val="bg1"/>
+            </a:solidFill>
+          </a:ln>
+        </p:spPr>
+        <p:style>
+          <a:lnRef idx="2">
+            <a:schemeClr val="accent1">
+              <a:shade val="50000"/>
+            </a:schemeClr>
+          </a:lnRef>
+          <a:fillRef idx="1">
+            <a:schemeClr val="accent1"/>
+          </a:fillRef>
+          <a:effectRef idx="0">
+            <a:schemeClr val="accent1"/>
+          </a:effectRef>
+          <a:fontRef idx="minor">
+            <a:schemeClr val="lt1"/>
+          </a:fontRef>
+        </p:style>
+        <p:txBody>
+          <a:bodyPr rtlCol="0" anchor="ctr"/>
+          <a:lstStyle/>
+          <a:p>
+            <a:pPr algn="ctr"/>
+            <a:endParaRPr lang="en-US"/>
+          </a:p>
+        </p:txBody>
+      </p:sp>
+      <p:sp>
+        <p:nvSpPr>
+          <p:cNvPr id="31" name="Rectangle 30"/>
+          <p:cNvSpPr/>
+          <p:nvPr/>
+        </p:nvSpPr>
+        <p:spPr>
+          <a:xfrm>
+            <a:off x="22827343" y="46503"/>
+            <a:ext cx="4976799" cy="438625"/>
+          </a:xfrm>
+          <a:prstGeom prst="rect">
+            <a:avLst/>
+          </a:prstGeom>
+          <a:solidFill>
+            <a:schemeClr val="bg1"/>
+          </a:solidFill>
+          <a:ln>
+            <a:solidFill>
+              <a:schemeClr val="bg1"/>
+            </a:solidFill>
+          </a:ln>
+        </p:spPr>
+        <p:style>
+          <a:lnRef idx="2">
+            <a:schemeClr val="accent1">
+              <a:shade val="50000"/>
+            </a:schemeClr>
+          </a:lnRef>
+          <a:fillRef idx="1">
+            <a:schemeClr val="accent1"/>
+          </a:fillRef>
+          <a:effectRef idx="0">
+            <a:schemeClr val="accent1"/>
+          </a:effectRef>
+          <a:fontRef idx="minor">
+            <a:schemeClr val="lt1"/>
+          </a:fontRef>
+        </p:style>
+        <p:txBody>
+          <a:bodyPr rtlCol="0" anchor="ctr"/>
+          <a:lstStyle/>
+          <a:p>
+            <a:pPr algn="ctr"/>
+            <a:endParaRPr lang="en-US"/>
+          </a:p>
+        </p:txBody>
+      </p:sp>
+      <p:sp>
+        <p:nvSpPr>
+          <p:cNvPr id="32" name="Rectangle 31"/>
+          <p:cNvSpPr/>
+          <p:nvPr/>
+        </p:nvSpPr>
+        <p:spPr>
+          <a:xfrm>
+            <a:off x="21430850" y="757815"/>
+            <a:ext cx="384121" cy="4085282"/>
+          </a:xfrm>
+          <a:prstGeom prst="rect">
+            <a:avLst/>
+          </a:prstGeom>
+          <a:solidFill>
+            <a:schemeClr val="bg1"/>
+          </a:solidFill>
+          <a:ln>
+            <a:solidFill>
+              <a:schemeClr val="bg1"/>
+            </a:solidFill>
+          </a:ln>
+        </p:spPr>
+        <p:style>
+          <a:lnRef idx="2">
+            <a:schemeClr val="accent1">
+              <a:shade val="50000"/>
+            </a:schemeClr>
+          </a:lnRef>
+          <a:fillRef idx="1">
+            <a:schemeClr val="accent1"/>
+          </a:fillRef>
+          <a:effectRef idx="0">
+            <a:schemeClr val="accent1"/>
+          </a:effectRef>
+          <a:fontRef idx="minor">
+            <a:schemeClr val="lt1"/>
+          </a:fontRef>
+        </p:style>
+        <p:txBody>
+          <a:bodyPr rtlCol="0" anchor="ctr"/>
+          <a:lstStyle/>
+          <a:p>
+            <a:pPr algn="ctr"/>
+            <a:endParaRPr lang="en-US"/>
+          </a:p>
+        </p:txBody>
+      </p:sp>
+      <p:sp>
+        <p:nvSpPr>
+          <p:cNvPr id="33" name="Rectangle 32"/>
+          <p:cNvSpPr/>
+          <p:nvPr/>
+        </p:nvSpPr>
+        <p:spPr>
+          <a:xfrm>
+            <a:off x="21484401" y="6661356"/>
+            <a:ext cx="384121" cy="4085282"/>
+          </a:xfrm>
+          <a:prstGeom prst="rect">
+            <a:avLst/>
+          </a:prstGeom>
+          <a:solidFill>
+            <a:schemeClr val="bg1"/>
+          </a:solidFill>
+          <a:ln>
+            <a:solidFill>
+              <a:schemeClr val="bg1"/>
+            </a:solidFill>
+          </a:ln>
+        </p:spPr>
+        <p:style>
+          <a:lnRef idx="2">
+            <a:schemeClr val="accent1">
+              <a:shade val="50000"/>
+            </a:schemeClr>
+          </a:lnRef>
+          <a:fillRef idx="1">
+            <a:schemeClr val="accent1"/>
+          </a:fillRef>
+          <a:effectRef idx="0">
+            <a:schemeClr val="accent1"/>
+          </a:effectRef>
+          <a:fontRef idx="minor">
+            <a:schemeClr val="lt1"/>
+          </a:fontRef>
+        </p:style>
+        <p:txBody>
+          <a:bodyPr rtlCol="0" anchor="ctr"/>
+          <a:lstStyle/>
+          <a:p>
+            <a:pPr algn="ctr"/>
+            <a:endParaRPr lang="en-US"/>
+          </a:p>
+        </p:txBody>
+      </p:sp>
+      <p:sp>
+        <p:nvSpPr>
+          <p:cNvPr id="34" name="Rectangle 33"/>
+          <p:cNvSpPr/>
+          <p:nvPr/>
+        </p:nvSpPr>
+        <p:spPr>
+          <a:xfrm>
+            <a:off x="21439745" y="12381035"/>
+            <a:ext cx="384121" cy="4259991"/>
+          </a:xfrm>
+          <a:prstGeom prst="rect">
+            <a:avLst/>
+          </a:prstGeom>
+          <a:solidFill>
+            <a:schemeClr val="bg1"/>
+          </a:solidFill>
+          <a:ln>
+            <a:solidFill>
+              <a:schemeClr val="bg1"/>
+            </a:solidFill>
+          </a:ln>
+        </p:spPr>
+        <p:style>
+          <a:lnRef idx="2">
+            <a:schemeClr val="accent1">
+              <a:shade val="50000"/>
+            </a:schemeClr>
+          </a:lnRef>
+          <a:fillRef idx="1">
+            <a:schemeClr val="accent1"/>
+          </a:fillRef>
+          <a:effectRef idx="0">
+            <a:schemeClr val="accent1"/>
+          </a:effectRef>
+          <a:fontRef idx="minor">
+            <a:schemeClr val="lt1"/>
+          </a:fontRef>
+        </p:style>
+        <p:txBody>
+          <a:bodyPr rtlCol="0" anchor="ctr"/>
+          <a:lstStyle/>
+          <a:p>
+            <a:pPr algn="ctr"/>
+            <a:endParaRPr lang="en-US"/>
+          </a:p>
+        </p:txBody>
+      </p:sp>
+      <p:sp>
+        <p:nvSpPr>
+          <p:cNvPr id="35" name="Rectangle 34"/>
+          <p:cNvSpPr/>
+          <p:nvPr/>
+        </p:nvSpPr>
+        <p:spPr>
+          <a:xfrm>
+            <a:off x="21384485" y="18001305"/>
+            <a:ext cx="430486" cy="4259991"/>
+          </a:xfrm>
+          <a:prstGeom prst="rect">
+            <a:avLst/>
+          </a:prstGeom>
+          <a:solidFill>
+            <a:schemeClr val="bg1"/>
+          </a:solidFill>
+          <a:ln>
+            <a:solidFill>
+              <a:schemeClr val="bg1"/>
+            </a:solidFill>
+          </a:ln>
+        </p:spPr>
+        <p:style>
+          <a:lnRef idx="2">
+            <a:schemeClr val="accent1">
+              <a:shade val="50000"/>
+            </a:schemeClr>
+          </a:lnRef>
+          <a:fillRef idx="1">
+            <a:schemeClr val="accent1"/>
+          </a:fillRef>
+          <a:effectRef idx="0">
+            <a:schemeClr val="accent1"/>
+          </a:effectRef>
+          <a:fontRef idx="minor">
+            <a:schemeClr val="lt1"/>
+          </a:fontRef>
+        </p:style>
+        <p:txBody>
+          <a:bodyPr rtlCol="0" anchor="ctr"/>
+          <a:lstStyle/>
+          <a:p>
+            <a:pPr algn="ctr"/>
+            <a:endParaRPr lang="en-US"/>
+          </a:p>
+        </p:txBody>
+      </p:sp>
+      <p:sp>
+        <p:nvSpPr>
+          <p:cNvPr id="36" name="Rectangle 35"/>
+          <p:cNvSpPr/>
+          <p:nvPr/>
+        </p:nvSpPr>
+        <p:spPr>
+          <a:xfrm>
+            <a:off x="14305850" y="17839431"/>
+            <a:ext cx="430486" cy="4458326"/>
+          </a:xfrm>
+          <a:prstGeom prst="rect">
+            <a:avLst/>
+          </a:prstGeom>
+          <a:solidFill>
+            <a:schemeClr val="bg1"/>
+          </a:solidFill>
+          <a:ln>
+            <a:solidFill>
+              <a:schemeClr val="bg1"/>
+            </a:solidFill>
+          </a:ln>
+        </p:spPr>
+        <p:style>
+          <a:lnRef idx="2">
+            <a:schemeClr val="accent1">
+              <a:shade val="50000"/>
+            </a:schemeClr>
+          </a:lnRef>
+          <a:fillRef idx="1">
+            <a:schemeClr val="accent1"/>
+          </a:fillRef>
+          <a:effectRef idx="0">
+            <a:schemeClr val="accent1"/>
+          </a:effectRef>
+          <a:fontRef idx="minor">
+            <a:schemeClr val="lt1"/>
+          </a:fontRef>
+        </p:style>
+        <p:txBody>
+          <a:bodyPr rtlCol="0" anchor="ctr"/>
+          <a:lstStyle/>
+          <a:p>
+            <a:pPr algn="ctr"/>
+            <a:endParaRPr lang="en-US"/>
+          </a:p>
+        </p:txBody>
+      </p:sp>
+      <p:sp>
+        <p:nvSpPr>
+          <p:cNvPr id="37" name="Rectangle 36"/>
+          <p:cNvSpPr/>
+          <p:nvPr/>
+        </p:nvSpPr>
+        <p:spPr>
+          <a:xfrm>
+            <a:off x="14263268" y="12261736"/>
+            <a:ext cx="430486" cy="4458326"/>
+          </a:xfrm>
+          <a:prstGeom prst="rect">
+            <a:avLst/>
+          </a:prstGeom>
+          <a:solidFill>
+            <a:schemeClr val="bg1"/>
+          </a:solidFill>
+          <a:ln>
+            <a:solidFill>
+              <a:schemeClr val="bg1"/>
+            </a:solidFill>
+          </a:ln>
+        </p:spPr>
+        <p:style>
+          <a:lnRef idx="2">
+            <a:schemeClr val="accent1">
+              <a:shade val="50000"/>
+            </a:schemeClr>
+          </a:lnRef>
+          <a:fillRef idx="1">
+            <a:schemeClr val="accent1"/>
+          </a:fillRef>
+          <a:effectRef idx="0">
+            <a:schemeClr val="accent1"/>
+          </a:effectRef>
+          <a:fontRef idx="minor">
+            <a:schemeClr val="lt1"/>
+          </a:fontRef>
+        </p:style>
+        <p:txBody>
+          <a:bodyPr rtlCol="0" anchor="ctr"/>
+          <a:lstStyle/>
+          <a:p>
+            <a:pPr algn="ctr"/>
+            <a:endParaRPr lang="en-US"/>
+          </a:p>
+        </p:txBody>
+      </p:sp>
+      <p:sp>
+        <p:nvSpPr>
+          <p:cNvPr id="38" name="Rectangle 37"/>
+          <p:cNvSpPr/>
+          <p:nvPr/>
+        </p:nvSpPr>
+        <p:spPr>
+          <a:xfrm>
+            <a:off x="14318555" y="6305359"/>
+            <a:ext cx="430486" cy="4458326"/>
+          </a:xfrm>
+          <a:prstGeom prst="rect">
+            <a:avLst/>
+          </a:prstGeom>
+          <a:solidFill>
+            <a:schemeClr val="bg1"/>
+          </a:solidFill>
+          <a:ln>
+            <a:solidFill>
+              <a:schemeClr val="bg1"/>
+            </a:solidFill>
+          </a:ln>
+        </p:spPr>
+        <p:style>
+          <a:lnRef idx="2">
+            <a:schemeClr val="accent1">
+              <a:shade val="50000"/>
+            </a:schemeClr>
+          </a:lnRef>
+          <a:fillRef idx="1">
+            <a:schemeClr val="accent1"/>
+          </a:fillRef>
+          <a:effectRef idx="0">
+            <a:schemeClr val="accent1"/>
+          </a:effectRef>
+          <a:fontRef idx="minor">
+            <a:schemeClr val="lt1"/>
+          </a:fontRef>
+        </p:style>
+        <p:txBody>
+          <a:bodyPr rtlCol="0" anchor="ctr"/>
+          <a:lstStyle/>
+          <a:p>
+            <a:pPr algn="ctr"/>
+            <a:endParaRPr lang="en-US"/>
+          </a:p>
+        </p:txBody>
+      </p:sp>
+      <p:sp>
+        <p:nvSpPr>
+          <p:cNvPr id="39" name="Rectangle 38"/>
+          <p:cNvSpPr/>
+          <p:nvPr/>
+        </p:nvSpPr>
+        <p:spPr>
+          <a:xfrm>
+            <a:off x="7224677" y="6344198"/>
+            <a:ext cx="430486" cy="4458326"/>
+          </a:xfrm>
+          <a:prstGeom prst="rect">
+            <a:avLst/>
+          </a:prstGeom>
+          <a:solidFill>
+            <a:schemeClr val="bg1"/>
+          </a:solidFill>
+          <a:ln>
+            <a:solidFill>
+              <a:schemeClr val="bg1"/>
+            </a:solidFill>
+          </a:ln>
+        </p:spPr>
+        <p:style>
+          <a:lnRef idx="2">
+            <a:schemeClr val="accent1">
+              <a:shade val="50000"/>
+            </a:schemeClr>
+          </a:lnRef>
+          <a:fillRef idx="1">
+            <a:schemeClr val="accent1"/>
+          </a:fillRef>
+          <a:effectRef idx="0">
+            <a:schemeClr val="accent1"/>
+          </a:effectRef>
+          <a:fontRef idx="minor">
+            <a:schemeClr val="lt1"/>
+          </a:fontRef>
+        </p:style>
+        <p:txBody>
+          <a:bodyPr rtlCol="0" anchor="ctr"/>
+          <a:lstStyle/>
+          <a:p>
+            <a:pPr algn="ctr"/>
+            <a:endParaRPr lang="en-US"/>
+          </a:p>
+        </p:txBody>
+      </p:sp>
+      <p:sp>
+        <p:nvSpPr>
+          <p:cNvPr id="40" name="Rectangle 39"/>
+          <p:cNvSpPr/>
+          <p:nvPr/>
+        </p:nvSpPr>
+        <p:spPr>
+          <a:xfrm>
+            <a:off x="7113549" y="12062974"/>
+            <a:ext cx="430486" cy="4458326"/>
+          </a:xfrm>
+          <a:prstGeom prst="rect">
+            <a:avLst/>
+          </a:prstGeom>
+          <a:solidFill>
+            <a:schemeClr val="bg1"/>
+          </a:solidFill>
+          <a:ln>
+            <a:solidFill>
+              <a:schemeClr val="bg1"/>
+            </a:solidFill>
+          </a:ln>
+        </p:spPr>
+        <p:style>
+          <a:lnRef idx="2">
+            <a:schemeClr val="accent1">
+              <a:shade val="50000"/>
+            </a:schemeClr>
+          </a:lnRef>
+          <a:fillRef idx="1">
+            <a:schemeClr val="accent1"/>
+          </a:fillRef>
+          <a:effectRef idx="0">
+            <a:schemeClr val="accent1"/>
+          </a:effectRef>
+          <a:fontRef idx="minor">
+            <a:schemeClr val="lt1"/>
+          </a:fontRef>
+        </p:style>
+        <p:txBody>
+          <a:bodyPr rtlCol="0" anchor="ctr"/>
+          <a:lstStyle/>
+          <a:p>
+            <a:pPr algn="ctr"/>
+            <a:endParaRPr lang="en-US"/>
+          </a:p>
+        </p:txBody>
+      </p:sp>
+      <p:sp>
+        <p:nvSpPr>
+          <p:cNvPr id="41" name="Rectangle 40"/>
+          <p:cNvSpPr/>
+          <p:nvPr/>
+        </p:nvSpPr>
+        <p:spPr>
+          <a:xfrm>
+            <a:off x="7224677" y="17795166"/>
+            <a:ext cx="430486" cy="4458326"/>
+          </a:xfrm>
+          <a:prstGeom prst="rect">
+            <a:avLst/>
+          </a:prstGeom>
+          <a:solidFill>
+            <a:schemeClr val="bg1"/>
+          </a:solidFill>
+          <a:ln>
+            <a:solidFill>
+              <a:schemeClr val="bg1"/>
+            </a:solidFill>
+          </a:ln>
+        </p:spPr>
+        <p:style>
+          <a:lnRef idx="2">
+            <a:schemeClr val="accent1">
+              <a:shade val="50000"/>
+            </a:schemeClr>
+          </a:lnRef>
+          <a:fillRef idx="1">
+            <a:schemeClr val="accent1"/>
+          </a:fillRef>
+          <a:effectRef idx="0">
+            <a:schemeClr val="accent1"/>
+          </a:effectRef>
+          <a:fontRef idx="minor">
+            <a:schemeClr val="lt1"/>
+          </a:fontRef>
+        </p:style>
+        <p:txBody>
+          <a:bodyPr rtlCol="0" anchor="ctr"/>
+          <a:lstStyle/>
+          <a:p>
+            <a:pPr algn="ctr"/>
+            <a:endParaRPr lang="en-US"/>
+          </a:p>
+        </p:txBody>
+      </p:sp>
+      <p:sp>
+        <p:nvSpPr>
+          <p:cNvPr id="42" name="Rectangle 41"/>
+          <p:cNvSpPr/>
+          <p:nvPr/>
+        </p:nvSpPr>
+        <p:spPr>
+          <a:xfrm>
+            <a:off x="140263" y="18001305"/>
+            <a:ext cx="430486" cy="4458326"/>
+          </a:xfrm>
+          <a:prstGeom prst="rect">
+            <a:avLst/>
+          </a:prstGeom>
+          <a:solidFill>
+            <a:schemeClr val="bg1"/>
+          </a:solidFill>
+          <a:ln>
+            <a:solidFill>
+              <a:schemeClr val="bg1"/>
+            </a:solidFill>
+          </a:ln>
+        </p:spPr>
+        <p:style>
+          <a:lnRef idx="2">
+            <a:schemeClr val="accent1">
+              <a:shade val="50000"/>
+            </a:schemeClr>
+          </a:lnRef>
+          <a:fillRef idx="1">
+            <a:schemeClr val="accent1"/>
+          </a:fillRef>
+          <a:effectRef idx="0">
+            <a:schemeClr val="accent1"/>
+          </a:effectRef>
+          <a:fontRef idx="minor">
+            <a:schemeClr val="lt1"/>
+          </a:fontRef>
+        </p:style>
+        <p:txBody>
+          <a:bodyPr rtlCol="0" anchor="ctr"/>
+          <a:lstStyle/>
+          <a:p>
+            <a:pPr algn="ctr"/>
+            <a:endParaRPr lang="en-US"/>
+          </a:p>
+        </p:txBody>
+      </p:sp>
+      <p:sp>
+        <p:nvSpPr>
+          <p:cNvPr id="43" name="Rectangle 42"/>
+          <p:cNvSpPr/>
+          <p:nvPr/>
+        </p:nvSpPr>
+        <p:spPr>
+          <a:xfrm>
+            <a:off x="196171" y="12062974"/>
+            <a:ext cx="331446" cy="2041353"/>
+          </a:xfrm>
+          <a:prstGeom prst="rect">
+            <a:avLst/>
+          </a:prstGeom>
+          <a:solidFill>
+            <a:schemeClr val="bg1"/>
+          </a:solidFill>
+          <a:ln>
+            <a:solidFill>
+              <a:schemeClr val="bg1"/>
+            </a:solidFill>
+          </a:ln>
+        </p:spPr>
+        <p:style>
+          <a:lnRef idx="2">
+            <a:schemeClr val="accent1">
+              <a:shade val="50000"/>
+            </a:schemeClr>
+          </a:lnRef>
+          <a:fillRef idx="1">
+            <a:schemeClr val="accent1"/>
+          </a:fillRef>
+          <a:effectRef idx="0">
+            <a:schemeClr val="accent1"/>
+          </a:effectRef>
+          <a:fontRef idx="minor">
+            <a:schemeClr val="lt1"/>
+          </a:fontRef>
+        </p:style>
+        <p:txBody>
+          <a:bodyPr rtlCol="0" anchor="ctr"/>
+          <a:lstStyle/>
+          <a:p>
+            <a:pPr algn="ctr"/>
+            <a:endParaRPr lang="en-US"/>
+          </a:p>
+        </p:txBody>
+      </p:sp>
+      <p:sp>
+        <p:nvSpPr>
+          <p:cNvPr id="44" name="Rectangle 43"/>
+          <p:cNvSpPr/>
+          <p:nvPr/>
+        </p:nvSpPr>
+        <p:spPr>
+          <a:xfrm>
+            <a:off x="295594" y="14628898"/>
+            <a:ext cx="331446" cy="2041353"/>
+          </a:xfrm>
+          <a:prstGeom prst="rect">
+            <a:avLst/>
+          </a:prstGeom>
+          <a:solidFill>
+            <a:schemeClr val="bg1"/>
+          </a:solidFill>
+          <a:ln>
+            <a:solidFill>
+              <a:schemeClr val="bg1"/>
+            </a:solidFill>
+          </a:ln>
+        </p:spPr>
+        <p:style>
+          <a:lnRef idx="2">
+            <a:schemeClr val="accent1">
+              <a:shade val="50000"/>
+            </a:schemeClr>
+          </a:lnRef>
+          <a:fillRef idx="1">
+            <a:schemeClr val="accent1"/>
+          </a:fillRef>
+          <a:effectRef idx="0">
+            <a:schemeClr val="accent1"/>
+          </a:effectRef>
+          <a:fontRef idx="minor">
+            <a:schemeClr val="lt1"/>
+          </a:fontRef>
+        </p:style>
+        <p:txBody>
+          <a:bodyPr rtlCol="0" anchor="ctr"/>
+          <a:lstStyle/>
+          <a:p>
+            <a:pPr algn="ctr"/>
+            <a:endParaRPr lang="en-US"/>
+          </a:p>
+        </p:txBody>
+      </p:sp>
+      <p:sp>
+        <p:nvSpPr>
+          <p:cNvPr id="45" name="Rectangle 44"/>
+          <p:cNvSpPr/>
+          <p:nvPr/>
+        </p:nvSpPr>
+        <p:spPr>
+          <a:xfrm>
+            <a:off x="15386814" y="11294327"/>
+            <a:ext cx="13046176" cy="665230"/>
+          </a:xfrm>
+          <a:prstGeom prst="rect">
+            <a:avLst/>
+          </a:prstGeom>
+          <a:solidFill>
+            <a:schemeClr val="bg1"/>
+          </a:solidFill>
+          <a:ln>
+            <a:solidFill>
+              <a:schemeClr val="bg1"/>
+            </a:solidFill>
+          </a:ln>
+        </p:spPr>
+        <p:style>
+          <a:lnRef idx="2">
+            <a:schemeClr val="accent1">
+              <a:shade val="50000"/>
+            </a:schemeClr>
+          </a:lnRef>
+          <a:fillRef idx="1">
+            <a:schemeClr val="accent1"/>
+          </a:fillRef>
+          <a:effectRef idx="0">
+            <a:schemeClr val="accent1"/>
+          </a:effectRef>
+          <a:fontRef idx="minor">
+            <a:schemeClr val="lt1"/>
+          </a:fontRef>
+        </p:style>
+        <p:txBody>
+          <a:bodyPr rtlCol="0" anchor="ctr"/>
+          <a:lstStyle/>
+          <a:p>
+            <a:pPr algn="ctr"/>
+            <a:endParaRPr lang="en-US"/>
+          </a:p>
+        </p:txBody>
+      </p:sp>
+      <p:sp>
+        <p:nvSpPr>
+          <p:cNvPr id="3" name="TextBox 2"/>
+          <p:cNvSpPr txBox="1"/>
+          <p:nvPr/>
+        </p:nvSpPr>
+        <p:spPr>
+          <a:xfrm rot="16200000">
+            <a:off x="-891510" y="18428096"/>
+            <a:ext cx="2339743" cy="584775"/>
+          </a:xfrm>
+          <a:prstGeom prst="rect">
+            <a:avLst/>
+          </a:prstGeom>
+          <a:noFill/>
+        </p:spPr>
+        <p:txBody>
+          <a:bodyPr wrap="none" rtlCol="0">
+            <a:spAutoFit/>
+          </a:bodyPr>
+          <a:lstStyle/>
+          <a:p>
+            <a:r>
+              <a:rPr lang="en-US" sz="3200" dirty="0" smtClean="0"/>
+              <a:t>Voltage (mV)</a:t>
+            </a:r>
+            <a:endParaRPr lang="en-US" sz="3200" dirty="0"/>
+          </a:p>
+        </p:txBody>
+      </p:sp>
+      <p:sp>
+        <p:nvSpPr>
+          <p:cNvPr id="46" name="TextBox 45"/>
+          <p:cNvSpPr txBox="1"/>
+          <p:nvPr/>
+        </p:nvSpPr>
+        <p:spPr>
+          <a:xfrm rot="16200000">
+            <a:off x="-988181" y="20998814"/>
+            <a:ext cx="2552365" cy="584775"/>
+          </a:xfrm>
+          <a:prstGeom prst="rect">
+            <a:avLst/>
+          </a:prstGeom>
+          <a:noFill/>
+        </p:spPr>
+        <p:txBody>
+          <a:bodyPr wrap="none" rtlCol="0">
+            <a:spAutoFit/>
+          </a:bodyPr>
+          <a:lstStyle/>
+          <a:p>
+            <a:r>
+              <a:rPr lang="en-US" sz="3200" smtClean="0"/>
+              <a:t>Synapse Index</a:t>
+            </a:r>
+            <a:endParaRPr lang="en-US" sz="3200" dirty="0"/>
+          </a:p>
+        </p:txBody>
+      </p:sp>
+      <p:sp>
+        <p:nvSpPr>
+          <p:cNvPr id="47" name="TextBox 46"/>
+          <p:cNvSpPr txBox="1"/>
+          <p:nvPr/>
+        </p:nvSpPr>
+        <p:spPr>
+          <a:xfrm>
+            <a:off x="13608006" y="22487888"/>
+            <a:ext cx="1843774" cy="584775"/>
+          </a:xfrm>
+          <a:prstGeom prst="rect">
+            <a:avLst/>
+          </a:prstGeom>
+          <a:noFill/>
+        </p:spPr>
+        <p:txBody>
+          <a:bodyPr wrap="none" rtlCol="0">
+            <a:spAutoFit/>
+          </a:bodyPr>
+          <a:lstStyle/>
+          <a:p>
+            <a:r>
+              <a:rPr lang="en-US" sz="3200" dirty="0" smtClean="0"/>
+              <a:t>Time (</a:t>
+            </a:r>
+            <a:r>
+              <a:rPr lang="en-US" sz="3200" dirty="0" err="1" smtClean="0"/>
+              <a:t>ms</a:t>
+            </a:r>
+            <a:r>
+              <a:rPr lang="en-US" sz="3200" dirty="0" smtClean="0"/>
+              <a:t>)</a:t>
+            </a:r>
+            <a:endParaRPr lang="en-US" sz="3200" dirty="0"/>
           </a:p>
         </p:txBody>
       </p:sp>
